--- a/Presentation.pptx
+++ b/Presentation.pptx
@@ -6,6 +6,7 @@
   </p:sldMasterIdLst>
   <p:sldIdLst>
     <p:sldId id="259" r:id="rId2"/>
+    <p:sldId id="260" r:id="rId3"/>
   </p:sldIdLst>
   <p:sldSz cx="12192000" cy="6858000"/>
   <p:notesSz cx="6858000" cy="9144000"/>
@@ -110,6 +111,7 @@
         <p14:section name="Default Section" id="{24AAFF76-247B-4A1F-BFFD-AC3B3945354D}">
           <p14:sldIdLst>
             <p14:sldId id="259"/>
+            <p14:sldId id="260"/>
           </p14:sldIdLst>
         </p14:section>
       </p14:sectionLst>
@@ -270,7 +272,7 @@
           <a:p>
             <a:fld id="{05546D8E-37C1-456C-9A8E-C362204119E7}" type="datetimeFigureOut">
               <a:rPr lang="pt-BR" smtClean="0"/>
-              <a:t>24/05/2018</a:t>
+              <a:t>21/08/2018</a:t>
             </a:fld>
             <a:endParaRPr lang="pt-BR"/>
           </a:p>
@@ -470,7 +472,7 @@
           <a:p>
             <a:fld id="{05546D8E-37C1-456C-9A8E-C362204119E7}" type="datetimeFigureOut">
               <a:rPr lang="pt-BR" smtClean="0"/>
-              <a:t>24/05/2018</a:t>
+              <a:t>21/08/2018</a:t>
             </a:fld>
             <a:endParaRPr lang="pt-BR"/>
           </a:p>
@@ -680,7 +682,7 @@
           <a:p>
             <a:fld id="{05546D8E-37C1-456C-9A8E-C362204119E7}" type="datetimeFigureOut">
               <a:rPr lang="pt-BR" smtClean="0"/>
-              <a:t>24/05/2018</a:t>
+              <a:t>21/08/2018</a:t>
             </a:fld>
             <a:endParaRPr lang="pt-BR"/>
           </a:p>
@@ -880,7 +882,7 @@
           <a:p>
             <a:fld id="{05546D8E-37C1-456C-9A8E-C362204119E7}" type="datetimeFigureOut">
               <a:rPr lang="pt-BR" smtClean="0"/>
-              <a:t>24/05/2018</a:t>
+              <a:t>21/08/2018</a:t>
             </a:fld>
             <a:endParaRPr lang="pt-BR"/>
           </a:p>
@@ -1156,7 +1158,7 @@
           <a:p>
             <a:fld id="{05546D8E-37C1-456C-9A8E-C362204119E7}" type="datetimeFigureOut">
               <a:rPr lang="pt-BR" smtClean="0"/>
-              <a:t>24/05/2018</a:t>
+              <a:t>21/08/2018</a:t>
             </a:fld>
             <a:endParaRPr lang="pt-BR"/>
           </a:p>
@@ -1424,7 +1426,7 @@
           <a:p>
             <a:fld id="{05546D8E-37C1-456C-9A8E-C362204119E7}" type="datetimeFigureOut">
               <a:rPr lang="pt-BR" smtClean="0"/>
-              <a:t>24/05/2018</a:t>
+              <a:t>21/08/2018</a:t>
             </a:fld>
             <a:endParaRPr lang="pt-BR"/>
           </a:p>
@@ -1839,7 +1841,7 @@
           <a:p>
             <a:fld id="{05546D8E-37C1-456C-9A8E-C362204119E7}" type="datetimeFigureOut">
               <a:rPr lang="pt-BR" smtClean="0"/>
-              <a:t>24/05/2018</a:t>
+              <a:t>21/08/2018</a:t>
             </a:fld>
             <a:endParaRPr lang="pt-BR"/>
           </a:p>
@@ -1981,7 +1983,7 @@
           <a:p>
             <a:fld id="{05546D8E-37C1-456C-9A8E-C362204119E7}" type="datetimeFigureOut">
               <a:rPr lang="pt-BR" smtClean="0"/>
-              <a:t>24/05/2018</a:t>
+              <a:t>21/08/2018</a:t>
             </a:fld>
             <a:endParaRPr lang="pt-BR"/>
           </a:p>
@@ -2094,7 +2096,7 @@
           <a:p>
             <a:fld id="{05546D8E-37C1-456C-9A8E-C362204119E7}" type="datetimeFigureOut">
               <a:rPr lang="pt-BR" smtClean="0"/>
-              <a:t>24/05/2018</a:t>
+              <a:t>21/08/2018</a:t>
             </a:fld>
             <a:endParaRPr lang="pt-BR"/>
           </a:p>
@@ -2407,7 +2409,7 @@
           <a:p>
             <a:fld id="{05546D8E-37C1-456C-9A8E-C362204119E7}" type="datetimeFigureOut">
               <a:rPr lang="pt-BR" smtClean="0"/>
-              <a:t>24/05/2018</a:t>
+              <a:t>21/08/2018</a:t>
             </a:fld>
             <a:endParaRPr lang="pt-BR"/>
           </a:p>
@@ -2696,7 +2698,7 @@
           <a:p>
             <a:fld id="{05546D8E-37C1-456C-9A8E-C362204119E7}" type="datetimeFigureOut">
               <a:rPr lang="pt-BR" smtClean="0"/>
-              <a:t>24/05/2018</a:t>
+              <a:t>21/08/2018</a:t>
             </a:fld>
             <a:endParaRPr lang="pt-BR"/>
           </a:p>
@@ -2939,7 +2941,7 @@
           <a:p>
             <a:fld id="{05546D8E-37C1-456C-9A8E-C362204119E7}" type="datetimeFigureOut">
               <a:rPr lang="pt-BR" smtClean="0"/>
-              <a:t>24/05/2018</a:t>
+              <a:t>21/08/2018</a:t>
             </a:fld>
             <a:endParaRPr lang="pt-BR"/>
           </a:p>
@@ -3496,6 +3498,363 @@
 </p:sld>
 </file>
 
+<file path=ppt/slides/slide2.xml><?xml version="1.0" encoding="utf-8"?>
+<p:sld xmlns:a="http://schemas.openxmlformats.org/drawingml/2006/main" xmlns:r="http://schemas.openxmlformats.org/officeDocument/2006/relationships" xmlns:p="http://schemas.openxmlformats.org/presentationml/2006/main">
+  <p:cSld>
+    <p:spTree>
+      <p:nvGrpSpPr>
+        <p:cNvPr id="1" name=""/>
+        <p:cNvGrpSpPr/>
+        <p:nvPr/>
+      </p:nvGrpSpPr>
+      <p:grpSpPr>
+        <a:xfrm>
+          <a:off x="0" y="0"/>
+          <a:ext cx="0" cy="0"/>
+          <a:chOff x="0" y="0"/>
+          <a:chExt cx="0" cy="0"/>
+        </a:xfrm>
+      </p:grpSpPr>
+      <p:sp>
+        <p:nvSpPr>
+          <p:cNvPr id="13" name="Rounded Rectangle 12"/>
+          <p:cNvSpPr/>
+          <p:nvPr/>
+        </p:nvSpPr>
+        <p:spPr>
+          <a:xfrm>
+            <a:off x="4638674" y="1181100"/>
+            <a:ext cx="2520000" cy="2520000"/>
+          </a:xfrm>
+          <a:prstGeom prst="roundRect">
+            <a:avLst/>
+          </a:prstGeom>
+          <a:gradFill>
+            <a:gsLst>
+              <a:gs pos="0">
+                <a:srgbClr val="295596"/>
+              </a:gs>
+              <a:gs pos="32000">
+                <a:srgbClr val="214579"/>
+              </a:gs>
+              <a:gs pos="73000">
+                <a:srgbClr val="173055"/>
+              </a:gs>
+              <a:gs pos="92000">
+                <a:srgbClr val="10223C"/>
+              </a:gs>
+            </a:gsLst>
+            <a:lin ang="5400000" scaled="1"/>
+          </a:gradFill>
+          <a:ln w="25400">
+            <a:noFill/>
+          </a:ln>
+          <a:effectLst>
+            <a:outerShdw blurRad="63500" sx="102000" sy="102000" algn="ctr" rotWithShape="0">
+              <a:srgbClr val="333333"/>
+            </a:outerShdw>
+          </a:effectLst>
+        </p:spPr>
+        <p:style>
+          <a:lnRef idx="2">
+            <a:schemeClr val="accent1">
+              <a:shade val="50000"/>
+            </a:schemeClr>
+          </a:lnRef>
+          <a:fillRef idx="1">
+            <a:schemeClr val="accent1"/>
+          </a:fillRef>
+          <a:effectRef idx="0">
+            <a:schemeClr val="accent1"/>
+          </a:effectRef>
+          <a:fontRef idx="minor">
+            <a:schemeClr val="lt1"/>
+          </a:fontRef>
+        </p:style>
+        <p:txBody>
+          <a:bodyPr rtlCol="0" anchor="ctr"/>
+          <a:lstStyle/>
+          <a:p>
+            <a:pPr marL="0" marR="0" lvl="0" indent="0" algn="ctr" defTabSz="914400" eaLnBrk="1" fontAlgn="auto" latinLnBrk="0" hangingPunct="1">
+              <a:lnSpc>
+                <a:spcPct val="100000"/>
+              </a:lnSpc>
+              <a:spcBef>
+                <a:spcPts val="0"/>
+              </a:spcBef>
+              <a:spcAft>
+                <a:spcPts val="0"/>
+              </a:spcAft>
+              <a:buClrTx/>
+              <a:buSzTx/>
+              <a:buFontTx/>
+              <a:buNone/>
+              <a:tabLst/>
+              <a:defRPr/>
+            </a:pPr>
+            <a:endParaRPr kumimoji="0" lang="pt-BR" sz="1800" b="0" i="0" u="none" strike="noStrike" kern="0" cap="none" spc="0" normalizeH="0" baseline="0" noProof="0">
+              <a:ln>
+                <a:noFill/>
+              </a:ln>
+              <a:solidFill>
+                <a:sysClr val="windowText" lastClr="000000"/>
+              </a:solidFill>
+              <a:effectLst/>
+              <a:uLnTx/>
+              <a:uFillTx/>
+            </a:endParaRPr>
+          </a:p>
+        </p:txBody>
+      </p:sp>
+      <p:pic>
+        <p:nvPicPr>
+          <p:cNvPr id="3" name="Picture 2"/>
+          <p:cNvPicPr>
+            <a:picLocks noChangeAspect="1"/>
+          </p:cNvPicPr>
+          <p:nvPr/>
+        </p:nvPicPr>
+        <p:blipFill rotWithShape="1">
+          <a:blip r:embed="rId2"/>
+          <a:srcRect l="36958" t="20562" r="20949" b="38862"/>
+          <a:stretch/>
+        </p:blipFill>
+        <p:spPr>
+          <a:xfrm>
+            <a:off x="5487623" y="1433254"/>
+            <a:ext cx="1539752" cy="1798421"/>
+          </a:xfrm>
+          <a:prstGeom prst="rect">
+            <a:avLst/>
+          </a:prstGeom>
+        </p:spPr>
+      </p:pic>
+      <p:sp>
+        <p:nvSpPr>
+          <p:cNvPr id="5" name="Rounded Rectangle 4"/>
+          <p:cNvSpPr/>
+          <p:nvPr/>
+        </p:nvSpPr>
+        <p:spPr>
+          <a:xfrm>
+            <a:off x="457199" y="390525"/>
+            <a:ext cx="2520000" cy="2520000"/>
+          </a:xfrm>
+          <a:prstGeom prst="roundRect">
+            <a:avLst/>
+          </a:prstGeom>
+          <a:gradFill>
+            <a:gsLst>
+              <a:gs pos="0">
+                <a:srgbClr val="295596"/>
+              </a:gs>
+              <a:gs pos="32000">
+                <a:srgbClr val="214579"/>
+              </a:gs>
+              <a:gs pos="73000">
+                <a:srgbClr val="173055"/>
+              </a:gs>
+              <a:gs pos="92000">
+                <a:srgbClr val="10223C"/>
+              </a:gs>
+            </a:gsLst>
+            <a:lin ang="5400000" scaled="1"/>
+          </a:gradFill>
+          <a:ln w="25400">
+            <a:noFill/>
+          </a:ln>
+          <a:effectLst>
+            <a:outerShdw blurRad="63500" sx="102000" sy="102000" algn="ctr" rotWithShape="0">
+              <a:srgbClr val="333333"/>
+            </a:outerShdw>
+          </a:effectLst>
+        </p:spPr>
+        <p:style>
+          <a:lnRef idx="2">
+            <a:schemeClr val="accent1">
+              <a:shade val="50000"/>
+            </a:schemeClr>
+          </a:lnRef>
+          <a:fillRef idx="1">
+            <a:schemeClr val="accent1"/>
+          </a:fillRef>
+          <a:effectRef idx="0">
+            <a:schemeClr val="accent1"/>
+          </a:effectRef>
+          <a:fontRef idx="minor">
+            <a:schemeClr val="lt1"/>
+          </a:fontRef>
+        </p:style>
+        <p:txBody>
+          <a:bodyPr rtlCol="0" anchor="ctr"/>
+          <a:lstStyle/>
+          <a:p>
+            <a:pPr marL="0" marR="0" lvl="0" indent="0" algn="ctr" defTabSz="914400" eaLnBrk="1" fontAlgn="auto" latinLnBrk="0" hangingPunct="1">
+              <a:lnSpc>
+                <a:spcPct val="100000"/>
+              </a:lnSpc>
+              <a:spcBef>
+                <a:spcPts val="0"/>
+              </a:spcBef>
+              <a:spcAft>
+                <a:spcPts val="0"/>
+              </a:spcAft>
+              <a:buClrTx/>
+              <a:buSzTx/>
+              <a:buFontTx/>
+              <a:buNone/>
+              <a:tabLst/>
+              <a:defRPr/>
+            </a:pPr>
+            <a:endParaRPr kumimoji="0" lang="pt-BR" sz="1800" b="0" i="0" u="none" strike="noStrike" kern="0" cap="none" spc="0" normalizeH="0" baseline="0" noProof="0">
+              <a:ln>
+                <a:noFill/>
+              </a:ln>
+              <a:solidFill>
+                <a:sysClr val="windowText" lastClr="000000"/>
+              </a:solidFill>
+              <a:effectLst/>
+              <a:uLnTx/>
+              <a:uFillTx/>
+            </a:endParaRPr>
+          </a:p>
+        </p:txBody>
+      </p:sp>
+      <p:sp>
+        <p:nvSpPr>
+          <p:cNvPr id="6" name="TextBox 5"/>
+          <p:cNvSpPr txBox="1"/>
+          <p:nvPr/>
+        </p:nvSpPr>
+        <p:spPr>
+          <a:xfrm>
+            <a:off x="1135950" y="327086"/>
+            <a:ext cx="1317990" cy="2646878"/>
+          </a:xfrm>
+          <a:prstGeom prst="rect">
+            <a:avLst/>
+          </a:prstGeom>
+          <a:noFill/>
+        </p:spPr>
+        <p:txBody>
+          <a:bodyPr wrap="none" rtlCol="0">
+            <a:spAutoFit/>
+          </a:bodyPr>
+          <a:lstStyle/>
+          <a:p>
+            <a:pPr marL="0" marR="0" lvl="0" indent="0" defTabSz="914400" eaLnBrk="1" fontAlgn="auto" latinLnBrk="0" hangingPunct="1">
+              <a:lnSpc>
+                <a:spcPct val="100000"/>
+              </a:lnSpc>
+              <a:spcBef>
+                <a:spcPts val="0"/>
+              </a:spcBef>
+              <a:spcAft>
+                <a:spcPts val="0"/>
+              </a:spcAft>
+              <a:buClrTx/>
+              <a:buSzTx/>
+              <a:buFontTx/>
+              <a:buNone/>
+              <a:tabLst/>
+              <a:defRPr/>
+            </a:pPr>
+            <a:r>
+              <a:rPr lang="pt-BR" sz="16600" b="1" kern="0" dirty="0">
+                <a:solidFill>
+                  <a:schemeClr val="bg1"/>
+                </a:solidFill>
+              </a:rPr>
+              <a:t>P</a:t>
+            </a:r>
+            <a:endParaRPr kumimoji="0" lang="pt-BR" sz="16600" b="1" i="0" u="none" strike="noStrike" kern="0" cap="none" spc="0" normalizeH="0" baseline="0" noProof="0" dirty="0">
+              <a:ln>
+                <a:noFill/>
+              </a:ln>
+              <a:solidFill>
+                <a:schemeClr val="bg1"/>
+              </a:solidFill>
+              <a:effectLst/>
+              <a:uLnTx/>
+              <a:uFillTx/>
+            </a:endParaRPr>
+          </a:p>
+        </p:txBody>
+      </p:sp>
+      <p:sp>
+        <p:nvSpPr>
+          <p:cNvPr id="7" name="TextBox 6"/>
+          <p:cNvSpPr txBox="1"/>
+          <p:nvPr/>
+        </p:nvSpPr>
+        <p:spPr>
+          <a:xfrm>
+            <a:off x="2141357" y="393346"/>
+            <a:ext cx="797013" cy="830997"/>
+          </a:xfrm>
+          <a:prstGeom prst="rect">
+            <a:avLst/>
+          </a:prstGeom>
+          <a:noFill/>
+        </p:spPr>
+        <p:txBody>
+          <a:bodyPr wrap="none" rtlCol="0">
+            <a:spAutoFit/>
+          </a:bodyPr>
+          <a:lstStyle/>
+          <a:p>
+            <a:pPr marL="0" marR="0" lvl="0" indent="0" defTabSz="914400" eaLnBrk="1" fontAlgn="auto" latinLnBrk="0" hangingPunct="1">
+              <a:lnSpc>
+                <a:spcPct val="100000"/>
+              </a:lnSpc>
+              <a:spcBef>
+                <a:spcPts val="0"/>
+              </a:spcBef>
+              <a:spcAft>
+                <a:spcPts val="0"/>
+              </a:spcAft>
+              <a:buClrTx/>
+              <a:buSzTx/>
+              <a:buFontTx/>
+              <a:buNone/>
+              <a:tabLst/>
+              <a:defRPr/>
+            </a:pPr>
+            <a:r>
+              <a:rPr lang="pt-BR" sz="4800" b="1" kern="0" dirty="0">
+                <a:solidFill>
+                  <a:schemeClr val="bg1"/>
+                </a:solidFill>
+              </a:rPr>
+              <a:t>&lt;&gt;</a:t>
+            </a:r>
+            <a:endParaRPr kumimoji="0" lang="pt-BR" sz="4800" b="1" i="0" u="none" strike="noStrike" kern="0" cap="none" spc="0" normalizeH="0" baseline="0" noProof="0" dirty="0">
+              <a:ln>
+                <a:noFill/>
+              </a:ln>
+              <a:solidFill>
+                <a:schemeClr val="bg1"/>
+              </a:solidFill>
+              <a:effectLst/>
+              <a:uLnTx/>
+              <a:uFillTx/>
+            </a:endParaRPr>
+          </a:p>
+        </p:txBody>
+      </p:sp>
+    </p:spTree>
+    <p:extLst>
+      <p:ext uri="{BB962C8B-B14F-4D97-AF65-F5344CB8AC3E}">
+        <p14:creationId xmlns:p14="http://schemas.microsoft.com/office/powerpoint/2010/main" val="3187229573"/>
+      </p:ext>
+    </p:extLst>
+  </p:cSld>
+  <p:clrMapOvr>
+    <a:masterClrMapping/>
+  </p:clrMapOvr>
+</p:sld>
+</file>
+
 <file path=ppt/theme/theme1.xml><?xml version="1.0" encoding="utf-8"?>
 <a:theme xmlns:a="http://schemas.openxmlformats.org/drawingml/2006/main" name="Office Theme">
   <a:themeElements>
